--- a/doc/mid_term.pptx
+++ b/doc/mid_term.pptx
@@ -3151,7 +3151,7 @@
         <a:p>
           <a:r>
             <a:rPr lang="en-US" altLang="zh-CN" dirty="0"/>
-            <a:t>Human mobility pattern in different contexts</a:t>
+            <a:t>Human Mobility Pattern in Different Contexts</a:t>
           </a:r>
           <a:endParaRPr lang="zh-CN" altLang="en-US" dirty="0"/>
         </a:p>
@@ -3194,7 +3194,7 @@
         <a:p>
           <a:r>
             <a:rPr lang="en-US" altLang="zh-CN" dirty="0"/>
-            <a:t>Spatial Autocorrelation analysis</a:t>
+            <a:t>Spatial Autocorrelation Analysis</a:t>
           </a:r>
           <a:endParaRPr lang="zh-CN" altLang="en-US" dirty="0"/>
         </a:p>
@@ -4176,7 +4176,7 @@
           </a:pPr>
           <a:r>
             <a:rPr lang="en-US" altLang="zh-CN" sz="2100" kern="1200" dirty="0"/>
-            <a:t>Human mobility pattern in different contexts</a:t>
+            <a:t>Human Mobility Pattern in Different Contexts</a:t>
           </a:r>
           <a:endParaRPr lang="zh-CN" altLang="en-US" sz="2100" kern="1200" dirty="0"/>
         </a:p>
@@ -4252,7 +4252,7 @@
           </a:pPr>
           <a:r>
             <a:rPr lang="en-US" altLang="zh-CN" sz="2100" kern="1200" dirty="0"/>
-            <a:t>Spatial Autocorrelation analysis</a:t>
+            <a:t>Spatial Autocorrelation Analysis</a:t>
           </a:r>
           <a:endParaRPr lang="zh-CN" altLang="en-US" sz="2100" kern="1200" dirty="0"/>
         </a:p>
@@ -5570,7 +5570,7 @@
           <a:p>
             <a:fld id="{00FB8449-8A3D-450E-868B-E8402DC4F4F7}" type="datetimeFigureOut">
               <a:rPr lang="zh-CN" altLang="en-US" smtClean="0"/>
-              <a:t>2022/3/24</a:t>
+              <a:t>2022/3/25</a:t>
             </a:fld>
             <a:endParaRPr lang="zh-CN" altLang="en-US"/>
           </a:p>
@@ -6290,7 +6290,7 @@
           <a:p>
             <a:fld id="{8F3998DE-EFD9-4928-BA66-95109C397D35}" type="datetimeFigureOut">
               <a:rPr lang="zh-CN" altLang="en-US" smtClean="0"/>
-              <a:t>2022/3/24</a:t>
+              <a:t>2022/3/25</a:t>
             </a:fld>
             <a:endParaRPr lang="zh-CN" altLang="en-US"/>
           </a:p>
@@ -6488,7 +6488,7 @@
           <a:p>
             <a:fld id="{8F3998DE-EFD9-4928-BA66-95109C397D35}" type="datetimeFigureOut">
               <a:rPr lang="zh-CN" altLang="en-US" smtClean="0"/>
-              <a:t>2022/3/24</a:t>
+              <a:t>2022/3/25</a:t>
             </a:fld>
             <a:endParaRPr lang="zh-CN" altLang="en-US"/>
           </a:p>
@@ -6696,7 +6696,7 @@
           <a:p>
             <a:fld id="{8F3998DE-EFD9-4928-BA66-95109C397D35}" type="datetimeFigureOut">
               <a:rPr lang="zh-CN" altLang="en-US" smtClean="0"/>
-              <a:t>2022/3/24</a:t>
+              <a:t>2022/3/25</a:t>
             </a:fld>
             <a:endParaRPr lang="zh-CN" altLang="en-US"/>
           </a:p>
@@ -6894,7 +6894,7 @@
           <a:p>
             <a:fld id="{8F3998DE-EFD9-4928-BA66-95109C397D35}" type="datetimeFigureOut">
               <a:rPr lang="zh-CN" altLang="en-US" smtClean="0"/>
-              <a:t>2022/3/24</a:t>
+              <a:t>2022/3/25</a:t>
             </a:fld>
             <a:endParaRPr lang="zh-CN" altLang="en-US"/>
           </a:p>
@@ -7169,7 +7169,7 @@
           <a:p>
             <a:fld id="{8F3998DE-EFD9-4928-BA66-95109C397D35}" type="datetimeFigureOut">
               <a:rPr lang="zh-CN" altLang="en-US" smtClean="0"/>
-              <a:t>2022/3/24</a:t>
+              <a:t>2022/3/25</a:t>
             </a:fld>
             <a:endParaRPr lang="zh-CN" altLang="en-US"/>
           </a:p>
@@ -7434,7 +7434,7 @@
           <a:p>
             <a:fld id="{8F3998DE-EFD9-4928-BA66-95109C397D35}" type="datetimeFigureOut">
               <a:rPr lang="zh-CN" altLang="en-US" smtClean="0"/>
-              <a:t>2022/3/24</a:t>
+              <a:t>2022/3/25</a:t>
             </a:fld>
             <a:endParaRPr lang="zh-CN" altLang="en-US"/>
           </a:p>
@@ -7846,7 +7846,7 @@
           <a:p>
             <a:fld id="{8F3998DE-EFD9-4928-BA66-95109C397D35}" type="datetimeFigureOut">
               <a:rPr lang="zh-CN" altLang="en-US" smtClean="0"/>
-              <a:t>2022/3/24</a:t>
+              <a:t>2022/3/25</a:t>
             </a:fld>
             <a:endParaRPr lang="zh-CN" altLang="en-US"/>
           </a:p>
@@ -7987,7 +7987,7 @@
           <a:p>
             <a:fld id="{8F3998DE-EFD9-4928-BA66-95109C397D35}" type="datetimeFigureOut">
               <a:rPr lang="zh-CN" altLang="en-US" smtClean="0"/>
-              <a:t>2022/3/24</a:t>
+              <a:t>2022/3/25</a:t>
             </a:fld>
             <a:endParaRPr lang="zh-CN" altLang="en-US"/>
           </a:p>
@@ -8100,7 +8100,7 @@
           <a:p>
             <a:fld id="{8F3998DE-EFD9-4928-BA66-95109C397D35}" type="datetimeFigureOut">
               <a:rPr lang="zh-CN" altLang="en-US" smtClean="0"/>
-              <a:t>2022/3/24</a:t>
+              <a:t>2022/3/25</a:t>
             </a:fld>
             <a:endParaRPr lang="zh-CN" altLang="en-US"/>
           </a:p>
@@ -8411,7 +8411,7 @@
           <a:p>
             <a:fld id="{8F3998DE-EFD9-4928-BA66-95109C397D35}" type="datetimeFigureOut">
               <a:rPr lang="zh-CN" altLang="en-US" smtClean="0"/>
-              <a:t>2022/3/24</a:t>
+              <a:t>2022/3/25</a:t>
             </a:fld>
             <a:endParaRPr lang="zh-CN" altLang="en-US"/>
           </a:p>
@@ -8699,7 +8699,7 @@
           <a:p>
             <a:fld id="{8F3998DE-EFD9-4928-BA66-95109C397D35}" type="datetimeFigureOut">
               <a:rPr lang="zh-CN" altLang="en-US" smtClean="0"/>
-              <a:t>2022/3/24</a:t>
+              <a:t>2022/3/25</a:t>
             </a:fld>
             <a:endParaRPr lang="zh-CN" altLang="en-US"/>
           </a:p>
@@ -8940,7 +8940,7 @@
           <a:p>
             <a:fld id="{8F3998DE-EFD9-4928-BA66-95109C397D35}" type="datetimeFigureOut">
               <a:rPr lang="zh-CN" altLang="en-US" smtClean="0"/>
-              <a:t>2022/3/24</a:t>
+              <a:t>2022/3/25</a:t>
             </a:fld>
             <a:endParaRPr lang="zh-CN" altLang="en-US"/>
           </a:p>
@@ -9404,13 +9404,13 @@
         </p:nvSpPr>
         <p:spPr>
           <a:xfrm>
-            <a:off x="970850" y="353190"/>
-            <a:ext cx="10556586" cy="3788504"/>
+            <a:off x="640602" y="1477106"/>
+            <a:ext cx="10556586" cy="1802531"/>
           </a:xfrm>
         </p:spPr>
         <p:txBody>
           <a:bodyPr>
-            <a:normAutofit/>
+            <a:normAutofit fontScale="90000"/>
           </a:bodyPr>
           <a:lstStyle/>
           <a:p>
@@ -9420,18 +9420,11 @@
               </a:lnSpc>
             </a:pPr>
             <a:r>
-              <a:rPr lang="en-US" altLang="zh-CN" sz="5000" dirty="0" err="1">
-                <a:latin typeface="Arial" panose="020B0604020202020204" pitchFamily="34" charset="0"/>
-                <a:cs typeface="Arial" panose="020B0604020202020204" pitchFamily="34" charset="0"/>
-              </a:rPr>
-              <a:t>Spatio</a:t>
-            </a:r>
-            <a:r>
               <a:rPr lang="en-US" altLang="zh-CN" sz="5000" dirty="0">
                 <a:latin typeface="Arial" panose="020B0604020202020204" pitchFamily="34" charset="0"/>
                 <a:cs typeface="Arial" panose="020B0604020202020204" pitchFamily="34" charset="0"/>
               </a:rPr>
-              <a:t>-temporal Change Analysis of Mobility Pattern during COVID-19 in NYC</a:t>
+              <a:t>COVID-19’s Impact on Human Mobility  in NYC</a:t>
             </a:r>
             <a:endParaRPr lang="zh-CN" altLang="en-US" sz="5000" dirty="0">
               <a:latin typeface="Arial" panose="020B0604020202020204" pitchFamily="34" charset="0"/>
@@ -9458,7 +9451,7 @@
         </p:nvSpPr>
         <p:spPr>
           <a:xfrm>
-            <a:off x="1541120" y="5073211"/>
+            <a:off x="1240569" y="4577025"/>
             <a:ext cx="9144000" cy="1655762"/>
           </a:xfrm>
         </p:spPr>
@@ -9556,7 +9549,7 @@
         <p:spPr>
           <a:xfrm>
             <a:off x="0" y="-397143"/>
-            <a:ext cx="4392118" cy="1645920"/>
+            <a:ext cx="5436394" cy="1645920"/>
           </a:xfrm>
         </p:spPr>
         <p:txBody>
@@ -9565,30 +9558,21 @@
           </a:bodyPr>
           <a:lstStyle/>
           <a:p>
-            <a:pPr algn="l"/>
+            <a:pPr algn="l">
+              <a:lnSpc>
+                <a:spcPct val="150000"/>
+              </a:lnSpc>
+              <a:tabLst>
+                <a:tab pos="2914650" algn="l"/>
+              </a:tabLst>
+            </a:pPr>
             <a:r>
-              <a:rPr lang="en-US" altLang="zh-CN" sz="2600" kern="1200" dirty="0">
-                <a:solidFill>
-                  <a:schemeClr val="tx1"/>
-                </a:solidFill>
-                <a:latin typeface="+mj-lt"/>
-                <a:ea typeface="+mj-ea"/>
-                <a:cs typeface="+mj-cs"/>
+              <a:rPr lang="en-US" altLang="zh-CN" sz="4400" dirty="0">
+                <a:latin typeface="Arial" panose="020B0604020202020204" pitchFamily="34" charset="0"/>
+                <a:cs typeface="Arial" panose="020B0604020202020204" pitchFamily="34" charset="0"/>
               </a:rPr>
-              <a:t>3. </a:t>
+              <a:t>3. Temporal Analysis</a:t>
             </a:r>
-            <a:r>
-              <a:rPr lang="en-US" altLang="zh-CN" sz="2600" dirty="0"/>
-              <a:t>Temporal Analysis</a:t>
-            </a:r>
-            <a:endParaRPr lang="en-US" altLang="zh-CN" sz="2600" kern="1200" dirty="0">
-              <a:solidFill>
-                <a:schemeClr val="tx1"/>
-              </a:solidFill>
-              <a:latin typeface="+mj-lt"/>
-              <a:ea typeface="+mj-ea"/>
-              <a:cs typeface="+mj-cs"/>
-            </a:endParaRPr>
           </a:p>
         </p:txBody>
       </p:sp>
@@ -9608,10 +9592,10 @@
         </p:nvGrpSpPr>
         <p:grpSpPr>
           <a:xfrm>
-            <a:off x="1665450" y="3631596"/>
-            <a:ext cx="7460233" cy="2987979"/>
-            <a:chOff x="0" y="0"/>
-            <a:chExt cx="6099663" cy="2368941"/>
+            <a:off x="337176" y="905054"/>
+            <a:ext cx="3796188" cy="5952946"/>
+            <a:chOff x="-7593" y="-495774"/>
+            <a:chExt cx="3103853" cy="4719638"/>
           </a:xfrm>
         </p:grpSpPr>
         <p:pic>
@@ -9642,7 +9626,7 @@
           </p:blipFill>
           <p:spPr>
             <a:xfrm>
-              <a:off x="0" y="15631"/>
+              <a:off x="0" y="-495774"/>
               <a:ext cx="3096260" cy="2353310"/>
             </a:xfrm>
             <a:prstGeom prst="rect">
@@ -9678,7 +9662,7 @@
           </p:blipFill>
           <p:spPr>
             <a:xfrm>
-              <a:off x="3118338" y="0"/>
+              <a:off x="-7593" y="1913734"/>
               <a:ext cx="2981325" cy="2310130"/>
             </a:xfrm>
             <a:prstGeom prst="rect">
@@ -9687,36 +9671,104 @@
           </p:spPr>
         </p:pic>
       </p:grpSp>
-      <p:pic>
-        <p:nvPicPr>
-          <p:cNvPr id="9" name="图片 8">
+      <p:grpSp>
+        <p:nvGrpSpPr>
+          <p:cNvPr id="3" name="组合 2">
             <a:extLst>
               <a:ext uri="{FF2B5EF4-FFF2-40B4-BE49-F238E27FC236}">
-                <a16:creationId xmlns:a16="http://schemas.microsoft.com/office/drawing/2014/main" id="{9BC151F7-7A06-4708-B4BD-754F0A9D3B1F}"/>
+                <a16:creationId xmlns:a16="http://schemas.microsoft.com/office/drawing/2014/main" id="{7EE24077-21A4-4426-8CB1-38D9EBDAFC50}"/>
               </a:ext>
             </a:extLst>
           </p:cNvPr>
-          <p:cNvPicPr>
-            <a:picLocks noChangeAspect="1"/>
-          </p:cNvPicPr>
+          <p:cNvGrpSpPr/>
           <p:nvPr/>
-        </p:nvPicPr>
-        <p:blipFill>
-          <a:blip r:embed="rId4"/>
-          <a:stretch>
-            <a:fillRect/>
-          </a:stretch>
-        </p:blipFill>
-        <p:spPr>
+        </p:nvGrpSpPr>
+        <p:grpSpPr>
           <a:xfrm>
-            <a:off x="2196059" y="620339"/>
-            <a:ext cx="6929624" cy="2830751"/>
+            <a:off x="3950995" y="1669703"/>
+            <a:ext cx="8241005" cy="3366450"/>
+            <a:chOff x="4251655" y="1745775"/>
+            <a:chExt cx="8241005" cy="3366450"/>
           </a:xfrm>
-          <a:prstGeom prst="rect">
-            <a:avLst/>
-          </a:prstGeom>
-        </p:spPr>
-      </p:pic>
+        </p:grpSpPr>
+        <p:pic>
+          <p:nvPicPr>
+            <p:cNvPr id="9" name="图片 8">
+              <a:extLst>
+                <a:ext uri="{FF2B5EF4-FFF2-40B4-BE49-F238E27FC236}">
+                  <a16:creationId xmlns:a16="http://schemas.microsoft.com/office/drawing/2014/main" id="{9BC151F7-7A06-4708-B4BD-754F0A9D3B1F}"/>
+                </a:ext>
+              </a:extLst>
+            </p:cNvPr>
+            <p:cNvPicPr>
+              <a:picLocks noChangeAspect="1"/>
+            </p:cNvPicPr>
+            <p:nvPr/>
+          </p:nvPicPr>
+          <p:blipFill>
+            <a:blip r:embed="rId4"/>
+            <a:stretch>
+              <a:fillRect/>
+            </a:stretch>
+          </p:blipFill>
+          <p:spPr>
+            <a:xfrm>
+              <a:off x="4251655" y="1745775"/>
+              <a:ext cx="8241005" cy="3366450"/>
+            </a:xfrm>
+            <a:prstGeom prst="rect">
+              <a:avLst/>
+            </a:prstGeom>
+          </p:spPr>
+        </p:pic>
+        <p:sp>
+          <p:nvSpPr>
+            <p:cNvPr id="2" name="矩形 1">
+              <a:extLst>
+                <a:ext uri="{FF2B5EF4-FFF2-40B4-BE49-F238E27FC236}">
+                  <a16:creationId xmlns:a16="http://schemas.microsoft.com/office/drawing/2014/main" id="{07B18308-A604-45A5-AD2F-F99427C4493C}"/>
+                </a:ext>
+              </a:extLst>
+            </p:cNvPr>
+            <p:cNvSpPr/>
+            <p:nvPr/>
+          </p:nvSpPr>
+          <p:spPr>
+            <a:xfrm>
+              <a:off x="4829175" y="2371725"/>
+              <a:ext cx="6980644" cy="178594"/>
+            </a:xfrm>
+            <a:prstGeom prst="rect">
+              <a:avLst/>
+            </a:prstGeom>
+            <a:noFill/>
+          </p:spPr>
+          <p:style>
+            <a:lnRef idx="2">
+              <a:schemeClr val="accent1">
+                <a:shade val="50000"/>
+              </a:schemeClr>
+            </a:lnRef>
+            <a:fillRef idx="1">
+              <a:schemeClr val="accent1"/>
+            </a:fillRef>
+            <a:effectRef idx="0">
+              <a:schemeClr val="accent1"/>
+            </a:effectRef>
+            <a:fontRef idx="minor">
+              <a:schemeClr val="lt1"/>
+            </a:fontRef>
+          </p:style>
+          <p:txBody>
+            <a:bodyPr rtlCol="0" anchor="ctr"/>
+            <a:lstStyle/>
+            <a:p>
+              <a:pPr algn="ctr"/>
+              <a:endParaRPr lang="zh-CN" altLang="en-US"/>
+            </a:p>
+          </p:txBody>
+        </p:sp>
+      </p:grpSp>
     </p:spTree>
     <p:extLst>
       <p:ext uri="{BB962C8B-B14F-4D97-AF65-F5344CB8AC3E}">
@@ -9801,61 +9853,6 @@
               <a:ea typeface="宋体"/>
               <a:cs typeface="Calibri Light"/>
             </a:endParaRPr>
-          </a:p>
-        </p:txBody>
-      </p:sp>
-      <p:sp>
-        <p:nvSpPr>
-          <p:cNvPr id="3" name="标题 1">
-            <a:extLst>
-              <a:ext uri="{FF2B5EF4-FFF2-40B4-BE49-F238E27FC236}">
-                <a16:creationId xmlns:a16="http://schemas.microsoft.com/office/drawing/2014/main" id="{A29AE175-EDDC-4B8A-8635-623FDBB9A1DF}"/>
-              </a:ext>
-            </a:extLst>
-          </p:cNvPr>
-          <p:cNvSpPr txBox="1">
-            <a:spLocks/>
-          </p:cNvSpPr>
-          <p:nvPr/>
-        </p:nvSpPr>
-        <p:spPr>
-          <a:xfrm>
-            <a:off x="0" y="-397143"/>
-            <a:ext cx="4392118" cy="1645920"/>
-          </a:xfrm>
-          <a:prstGeom prst="rect">
-            <a:avLst/>
-          </a:prstGeom>
-        </p:spPr>
-        <p:txBody>
-          <a:bodyPr vert="horz" lIns="91440" tIns="45720" rIns="91440" bIns="45720" rtlCol="0" anchor="ctr">
-            <a:normAutofit/>
-          </a:bodyPr>
-          <a:lstStyle>
-            <a:lvl1pPr algn="ctr" defTabSz="914400" rtl="0" eaLnBrk="1" latinLnBrk="0" hangingPunct="1">
-              <a:lnSpc>
-                <a:spcPct val="90000"/>
-              </a:lnSpc>
-              <a:spcBef>
-                <a:spcPct val="0"/>
-              </a:spcBef>
-              <a:buNone/>
-              <a:defRPr sz="6000" kern="1200">
-                <a:solidFill>
-                  <a:schemeClr val="tx1"/>
-                </a:solidFill>
-                <a:latin typeface="+mj-lt"/>
-                <a:ea typeface="+mj-ea"/>
-                <a:cs typeface="+mj-cs"/>
-              </a:defRPr>
-            </a:lvl1pPr>
-          </a:lstStyle>
-          <a:p>
-            <a:pPr algn="l"/>
-            <a:r>
-              <a:rPr lang="en-US" altLang="zh-CN" sz="2600" dirty="0"/>
-              <a:t>3. Bomb!</a:t>
-            </a:r>
           </a:p>
         </p:txBody>
       </p:sp>
@@ -9949,6 +9946,61 @@
           </a:prstGeom>
         </p:spPr>
       </p:pic>
+      <p:sp>
+        <p:nvSpPr>
+          <p:cNvPr id="4" name="矩形 3">
+            <a:extLst>
+              <a:ext uri="{FF2B5EF4-FFF2-40B4-BE49-F238E27FC236}">
+                <a16:creationId xmlns:a16="http://schemas.microsoft.com/office/drawing/2014/main" id="{B87073D7-ED48-47D3-9D2A-EEC7E82D749A}"/>
+              </a:ext>
+            </a:extLst>
+          </p:cNvPr>
+          <p:cNvSpPr/>
+          <p:nvPr/>
+        </p:nvSpPr>
+        <p:spPr>
+          <a:xfrm>
+            <a:off x="4117908" y="180588"/>
+            <a:ext cx="2444900" cy="982513"/>
+          </a:xfrm>
+          <a:prstGeom prst="rect">
+            <a:avLst/>
+          </a:prstGeom>
+          <a:noFill/>
+        </p:spPr>
+        <p:txBody>
+          <a:bodyPr wrap="none" lIns="91440" tIns="45720" rIns="91440" bIns="45720">
+            <a:spAutoFit/>
+          </a:bodyPr>
+          <a:lstStyle/>
+          <a:p>
+            <a:pPr>
+              <a:lnSpc>
+                <a:spcPct val="150000"/>
+              </a:lnSpc>
+              <a:spcBef>
+                <a:spcPct val="0"/>
+              </a:spcBef>
+              <a:tabLst>
+                <a:tab pos="2914650" algn="l"/>
+              </a:tabLst>
+            </a:pPr>
+            <a:r>
+              <a:rPr lang="en-US" altLang="zh-CN" sz="4400" dirty="0">
+                <a:latin typeface="Arial" panose="020B0604020202020204" pitchFamily="34" charset="0"/>
+                <a:ea typeface="+mj-ea"/>
+                <a:cs typeface="Arial" panose="020B0604020202020204" pitchFamily="34" charset="0"/>
+              </a:rPr>
+              <a:t>4. Bomb!</a:t>
+            </a:r>
+            <a:endParaRPr lang="zh-CN" altLang="en-US" sz="4400" dirty="0">
+              <a:latin typeface="Arial" panose="020B0604020202020204" pitchFamily="34" charset="0"/>
+              <a:ea typeface="+mj-ea"/>
+              <a:cs typeface="Arial" panose="020B0604020202020204" pitchFamily="34" charset="0"/>
+            </a:endParaRPr>
+          </a:p>
+        </p:txBody>
+      </p:sp>
     </p:spTree>
     <p:extLst>
       <p:ext uri="{BB962C8B-B14F-4D97-AF65-F5344CB8AC3E}">
@@ -10005,77 +10057,93 @@
               <a:lnSpc>
                 <a:spcPct val="150000"/>
               </a:lnSpc>
+              <a:tabLst>
+                <a:tab pos="2914650" algn="l"/>
+              </a:tabLst>
             </a:pPr>
             <a:r>
-              <a:rPr lang="zh-CN" altLang="en-US" sz="3800" dirty="0">
-                <a:ea typeface="宋体"/>
-                <a:cs typeface="Calibri Light"/>
+              <a:rPr lang="zh-CN" altLang="en-US" sz="4400" dirty="0">
+                <a:latin typeface="Arial" panose="020B0604020202020204" pitchFamily="34" charset="0"/>
+                <a:cs typeface="Arial" panose="020B0604020202020204" pitchFamily="34" charset="0"/>
               </a:rPr>
               <a:t>Future work  </a:t>
             </a:r>
             <a:br>
-              <a:rPr lang="zh-CN" altLang="en-US" sz="3800" dirty="0">
-                <a:ea typeface="宋体"/>
-                <a:cs typeface="Calibri Light"/>
+              <a:rPr lang="zh-CN" altLang="en-US" sz="4400" dirty="0">
+                <a:latin typeface="Arial" panose="020B0604020202020204" pitchFamily="34" charset="0"/>
+                <a:cs typeface="Arial" panose="020B0604020202020204" pitchFamily="34" charset="0"/>
               </a:rPr>
             </a:br>
             <a:r>
-              <a:rPr lang="en-US" altLang="zh-CN" sz="3800" dirty="0">
-                <a:ea typeface="宋体"/>
-                <a:cs typeface="Calibri Light"/>
+              <a:rPr lang="en-US" altLang="zh-CN" sz="2200" dirty="0">
+                <a:latin typeface="Arial" panose="020B0604020202020204" pitchFamily="34" charset="0"/>
+                <a:cs typeface="Arial" panose="020B0604020202020204" pitchFamily="34" charset="0"/>
               </a:rPr>
               <a:t>1</a:t>
             </a:r>
             <a:r>
-              <a:rPr lang="zh-CN" altLang="en-US" sz="3800" dirty="0">
-                <a:ea typeface="宋体"/>
-                <a:cs typeface="Calibri Light"/>
+              <a:rPr lang="zh-CN" altLang="en-US" sz="2200" dirty="0">
+                <a:latin typeface="Arial" panose="020B0604020202020204" pitchFamily="34" charset="0"/>
+                <a:cs typeface="Arial" panose="020B0604020202020204" pitchFamily="34" charset="0"/>
               </a:rPr>
               <a:t>. </a:t>
             </a:r>
             <a:r>
-              <a:rPr lang="en-US" altLang="zh-CN" sz="3800" dirty="0">
-                <a:ea typeface="宋体"/>
-                <a:cs typeface="Calibri Light"/>
+              <a:rPr lang="en-US" altLang="zh-CN" sz="2200" dirty="0">
+                <a:latin typeface="Arial" panose="020B0604020202020204" pitchFamily="34" charset="0"/>
+                <a:cs typeface="Arial" panose="020B0604020202020204" pitchFamily="34" charset="0"/>
               </a:rPr>
               <a:t>Analyze mobility pattern in March 2091, 2020, 2021</a:t>
             </a:r>
             <a:br>
-              <a:rPr lang="en-US" altLang="zh-CN" sz="3800" dirty="0">
-                <a:ea typeface="宋体"/>
-                <a:cs typeface="Calibri Light"/>
+              <a:rPr lang="en-US" altLang="zh-CN" sz="2200" dirty="0">
+                <a:latin typeface="Arial" panose="020B0604020202020204" pitchFamily="34" charset="0"/>
+                <a:cs typeface="Arial" panose="020B0604020202020204" pitchFamily="34" charset="0"/>
               </a:rPr>
             </a:br>
             <a:r>
-              <a:rPr lang="en-US" altLang="zh-CN" sz="3800" dirty="0">
-                <a:ea typeface="宋体"/>
-                <a:cs typeface="Calibri Light"/>
+              <a:rPr lang="en-US" altLang="zh-CN" sz="2200" dirty="0">
+                <a:latin typeface="Arial" panose="020B0604020202020204" pitchFamily="34" charset="0"/>
+                <a:cs typeface="Arial" panose="020B0604020202020204" pitchFamily="34" charset="0"/>
               </a:rPr>
               <a:t>2. Review paper using </a:t>
             </a:r>
             <a:r>
-              <a:rPr lang="en-US" altLang="zh-CN" sz="3800" dirty="0" err="1">
-                <a:ea typeface="宋体"/>
-                <a:cs typeface="Calibri Light"/>
+              <a:rPr lang="en-US" altLang="zh-CN" sz="2200" dirty="0" err="1">
+                <a:latin typeface="Arial" panose="020B0604020202020204" pitchFamily="34" charset="0"/>
+                <a:cs typeface="Arial" panose="020B0604020202020204" pitchFamily="34" charset="0"/>
               </a:rPr>
               <a:t>SafeGraph</a:t>
             </a:r>
             <a:r>
-              <a:rPr lang="en-US" altLang="zh-CN" sz="3800" dirty="0">
-                <a:ea typeface="宋体"/>
-                <a:cs typeface="Calibri Light"/>
+              <a:rPr lang="en-US" altLang="zh-CN" sz="2200" dirty="0">
+                <a:latin typeface="Arial" panose="020B0604020202020204" pitchFamily="34" charset="0"/>
+                <a:cs typeface="Arial" panose="020B0604020202020204" pitchFamily="34" charset="0"/>
               </a:rPr>
               <a:t> data</a:t>
             </a:r>
             <a:br>
-              <a:rPr lang="zh-CN" altLang="en-US" sz="3800" dirty="0">
-                <a:ea typeface="宋体"/>
-                <a:cs typeface="Calibri Light"/>
+              <a:rPr lang="en-US" altLang="zh-CN" sz="2200" dirty="0">
+                <a:latin typeface="Arial" panose="020B0604020202020204" pitchFamily="34" charset="0"/>
+                <a:cs typeface="Arial" panose="020B0604020202020204" pitchFamily="34" charset="0"/>
               </a:rPr>
             </a:br>
-            <a:endParaRPr lang="en-US" altLang="zh-CN" sz="3800" dirty="0">
-              <a:ea typeface="宋体"/>
-              <a:cs typeface="Calibri Light"/>
+            <a:r>
+              <a:rPr lang="en-US" altLang="zh-CN" sz="2200" dirty="0">
+                <a:latin typeface="Arial" panose="020B0604020202020204" pitchFamily="34" charset="0"/>
+                <a:cs typeface="Arial" panose="020B0604020202020204" pitchFamily="34" charset="0"/>
+              </a:rPr>
+              <a:t>3. Regression model to analyze the correlation between human mobility and demographic factors</a:t>
+            </a:r>
+            <a:br>
+              <a:rPr lang="zh-CN" altLang="en-US" sz="4400" dirty="0">
+                <a:latin typeface="Arial" panose="020B0604020202020204" pitchFamily="34" charset="0"/>
+                <a:cs typeface="Arial" panose="020B0604020202020204" pitchFamily="34" charset="0"/>
+              </a:rPr>
+            </a:br>
+            <a:endParaRPr lang="en-US" altLang="zh-CN" sz="4400" dirty="0">
+              <a:latin typeface="Arial" panose="020B0604020202020204" pitchFamily="34" charset="0"/>
+              <a:cs typeface="Arial" panose="020B0604020202020204" pitchFamily="34" charset="0"/>
             </a:endParaRPr>
           </a:p>
         </p:txBody>
@@ -10226,7 +10294,7 @@
         </p:blipFill>
         <p:spPr bwMode="auto">
           <a:xfrm>
-            <a:off x="818536" y="2050764"/>
+            <a:off x="652528" y="2020351"/>
             <a:ext cx="5545394" cy="3169965"/>
           </a:xfrm>
           <a:prstGeom prst="rect">
@@ -10282,7 +10350,7 @@
                 <a:latin typeface="Arial" panose="020B0604020202020204" pitchFamily="34" charset="0"/>
                 <a:cs typeface="Arial" panose="020B0604020202020204" pitchFamily="34" charset="0"/>
               </a:rPr>
-              <a:t>COVID-19 develop trend in NY</a:t>
+              <a:t>COVID-19 develop trend in NYC</a:t>
             </a:r>
           </a:p>
         </p:txBody>
@@ -10740,7 +10808,7 @@
           <p:nvPr>
             <p:extLst>
               <p:ext uri="{D42A27DB-BD31-4B8C-83A1-F6EECF244321}">
-                <p14:modId xmlns:p14="http://schemas.microsoft.com/office/powerpoint/2010/main" val="2936625667"/>
+                <p14:modId xmlns:p14="http://schemas.microsoft.com/office/powerpoint/2010/main" val="1791898163"/>
               </p:ext>
             </p:extLst>
           </p:nvPr>
@@ -10903,7 +10971,7 @@
         <p:spPr>
           <a:xfrm>
             <a:off x="0" y="-397143"/>
-            <a:ext cx="3093720" cy="1645920"/>
+            <a:ext cx="4807744" cy="1645920"/>
           </a:xfrm>
         </p:spPr>
         <p:txBody>
@@ -10912,30 +10980,21 @@
           </a:bodyPr>
           <a:lstStyle/>
           <a:p>
-            <a:pPr algn="l"/>
+            <a:pPr algn="l">
+              <a:lnSpc>
+                <a:spcPct val="150000"/>
+              </a:lnSpc>
+              <a:tabLst>
+                <a:tab pos="2914650" algn="l"/>
+              </a:tabLst>
+            </a:pPr>
             <a:r>
-              <a:rPr lang="en-US" altLang="zh-CN" sz="2600" kern="1200" dirty="0">
-                <a:solidFill>
-                  <a:schemeClr val="tx1"/>
-                </a:solidFill>
-                <a:latin typeface="+mj-lt"/>
-                <a:ea typeface="+mj-ea"/>
-                <a:cs typeface="+mj-cs"/>
+              <a:rPr lang="en-US" altLang="zh-CN" sz="4400" dirty="0">
+                <a:latin typeface="Arial" panose="020B0604020202020204" pitchFamily="34" charset="0"/>
+                <a:cs typeface="Arial" panose="020B0604020202020204" pitchFamily="34" charset="0"/>
               </a:rPr>
-              <a:t>1. </a:t>
+              <a:t>1. Spatial Analysis</a:t>
             </a:r>
-            <a:r>
-              <a:rPr lang="en-US" altLang="zh-CN" sz="2600" dirty="0"/>
-              <a:t>Spatial Analysis</a:t>
-            </a:r>
-            <a:endParaRPr lang="en-US" altLang="zh-CN" sz="2600" kern="1200" dirty="0">
-              <a:solidFill>
-                <a:schemeClr val="tx1"/>
-              </a:solidFill>
-              <a:latin typeface="+mj-lt"/>
-              <a:ea typeface="+mj-ea"/>
-              <a:cs typeface="+mj-cs"/>
-            </a:endParaRPr>
           </a:p>
         </p:txBody>
       </p:sp>
@@ -11215,40 +11274,31 @@
         </p:nvSpPr>
         <p:spPr>
           <a:xfrm>
-            <a:off x="0" y="-397143"/>
-            <a:ext cx="3093720" cy="1645920"/>
+            <a:off x="-1" y="-397143"/>
+            <a:ext cx="4429125" cy="1645920"/>
           </a:xfrm>
         </p:spPr>
         <p:txBody>
           <a:bodyPr vert="horz" lIns="91440" tIns="45720" rIns="91440" bIns="45720" rtlCol="0" anchor="ctr">
-            <a:normAutofit/>
+            <a:normAutofit fontScale="90000"/>
           </a:bodyPr>
           <a:lstStyle/>
           <a:p>
-            <a:pPr algn="l"/>
+            <a:pPr algn="l">
+              <a:lnSpc>
+                <a:spcPct val="150000"/>
+              </a:lnSpc>
+              <a:tabLst>
+                <a:tab pos="2914650" algn="l"/>
+              </a:tabLst>
+            </a:pPr>
             <a:r>
-              <a:rPr lang="en-US" altLang="zh-CN" sz="2600" kern="1200" dirty="0">
-                <a:solidFill>
-                  <a:schemeClr val="tx1"/>
-                </a:solidFill>
-                <a:latin typeface="+mj-lt"/>
-                <a:ea typeface="+mj-ea"/>
-                <a:cs typeface="+mj-cs"/>
+              <a:rPr lang="en-US" altLang="zh-CN" sz="4400" dirty="0">
+                <a:latin typeface="Arial" panose="020B0604020202020204" pitchFamily="34" charset="0"/>
+                <a:cs typeface="Arial" panose="020B0604020202020204" pitchFamily="34" charset="0"/>
               </a:rPr>
-              <a:t>1. </a:t>
+              <a:t>1. Spatial Analysis</a:t>
             </a:r>
-            <a:r>
-              <a:rPr lang="en-US" altLang="zh-CN" sz="2600" dirty="0"/>
-              <a:t>Spatial Analysis</a:t>
-            </a:r>
-            <a:endParaRPr lang="en-US" altLang="zh-CN" sz="2600" kern="1200" dirty="0">
-              <a:solidFill>
-                <a:schemeClr val="tx1"/>
-              </a:solidFill>
-              <a:latin typeface="+mj-lt"/>
-              <a:ea typeface="+mj-ea"/>
-              <a:cs typeface="+mj-cs"/>
-            </a:endParaRPr>
           </a:p>
         </p:txBody>
       </p:sp>
@@ -11375,44 +11425,31 @@
         </p:nvSpPr>
         <p:spPr>
           <a:xfrm>
-            <a:off x="0" y="-397143"/>
-            <a:ext cx="4392118" cy="1645920"/>
+            <a:off x="-1" y="-397143"/>
+            <a:ext cx="5965031" cy="1645920"/>
           </a:xfrm>
         </p:spPr>
         <p:txBody>
           <a:bodyPr vert="horz" lIns="91440" tIns="45720" rIns="91440" bIns="45720" rtlCol="0" anchor="ctr">
-            <a:normAutofit/>
+            <a:normAutofit fontScale="90000"/>
           </a:bodyPr>
           <a:lstStyle/>
           <a:p>
-            <a:pPr algn="l"/>
+            <a:pPr algn="l">
+              <a:lnSpc>
+                <a:spcPct val="150000"/>
+              </a:lnSpc>
+              <a:tabLst>
+                <a:tab pos="2914650" algn="l"/>
+              </a:tabLst>
+            </a:pPr>
             <a:r>
-              <a:rPr lang="en-US" altLang="zh-CN" sz="2600" dirty="0"/>
-              <a:t>2</a:t>
+              <a:rPr lang="en-US" altLang="zh-CN" sz="4400" dirty="0">
+                <a:latin typeface="Arial" panose="020B0604020202020204" pitchFamily="34" charset="0"/>
+                <a:cs typeface="Arial" panose="020B0604020202020204" pitchFamily="34" charset="0"/>
+              </a:rPr>
+              <a:t>2. Demographic Analysis</a:t>
             </a:r>
-            <a:r>
-              <a:rPr lang="en-US" altLang="zh-CN" sz="2600" kern="1200" dirty="0">
-                <a:solidFill>
-                  <a:schemeClr val="tx1"/>
-                </a:solidFill>
-                <a:latin typeface="+mj-lt"/>
-                <a:ea typeface="+mj-ea"/>
-                <a:cs typeface="+mj-cs"/>
-              </a:rPr>
-              <a:t>. </a:t>
-            </a:r>
-            <a:r>
-              <a:rPr lang="en-US" altLang="zh-CN" sz="2600" dirty="0"/>
-              <a:t>Demographic Analysis</a:t>
-            </a:r>
-            <a:endParaRPr lang="en-US" altLang="zh-CN" sz="2600" kern="1200" dirty="0">
-              <a:solidFill>
-                <a:schemeClr val="tx1"/>
-              </a:solidFill>
-              <a:latin typeface="+mj-lt"/>
-              <a:ea typeface="+mj-ea"/>
-              <a:cs typeface="+mj-cs"/>
-            </a:endParaRPr>
           </a:p>
         </p:txBody>
       </p:sp>
@@ -11492,44 +11529,31 @@
         </p:nvSpPr>
         <p:spPr>
           <a:xfrm>
-            <a:off x="0" y="-397143"/>
-            <a:ext cx="4392118" cy="1645920"/>
+            <a:off x="-1" y="-397143"/>
+            <a:ext cx="5972175" cy="1645920"/>
           </a:xfrm>
         </p:spPr>
         <p:txBody>
           <a:bodyPr vert="horz" lIns="91440" tIns="45720" rIns="91440" bIns="45720" rtlCol="0" anchor="ctr">
-            <a:normAutofit/>
+            <a:normAutofit fontScale="90000"/>
           </a:bodyPr>
           <a:lstStyle/>
           <a:p>
-            <a:pPr algn="l"/>
+            <a:pPr algn="l">
+              <a:lnSpc>
+                <a:spcPct val="150000"/>
+              </a:lnSpc>
+              <a:tabLst>
+                <a:tab pos="2914650" algn="l"/>
+              </a:tabLst>
+            </a:pPr>
             <a:r>
-              <a:rPr lang="en-US" altLang="zh-CN" sz="2600" dirty="0"/>
-              <a:t>2</a:t>
+              <a:rPr lang="en-US" altLang="zh-CN" sz="4400" dirty="0">
+                <a:latin typeface="Arial" panose="020B0604020202020204" pitchFamily="34" charset="0"/>
+                <a:cs typeface="Arial" panose="020B0604020202020204" pitchFamily="34" charset="0"/>
+              </a:rPr>
+              <a:t>2. Demographic Analysis</a:t>
             </a:r>
-            <a:r>
-              <a:rPr lang="en-US" altLang="zh-CN" sz="2600" kern="1200" dirty="0">
-                <a:solidFill>
-                  <a:schemeClr val="tx1"/>
-                </a:solidFill>
-                <a:latin typeface="+mj-lt"/>
-                <a:ea typeface="+mj-ea"/>
-                <a:cs typeface="+mj-cs"/>
-              </a:rPr>
-              <a:t>. </a:t>
-            </a:r>
-            <a:r>
-              <a:rPr lang="en-US" altLang="zh-CN" sz="2600" dirty="0"/>
-              <a:t>Demographic Analysis</a:t>
-            </a:r>
-            <a:endParaRPr lang="en-US" altLang="zh-CN" sz="2600" kern="1200" dirty="0">
-              <a:solidFill>
-                <a:schemeClr val="tx1"/>
-              </a:solidFill>
-              <a:latin typeface="+mj-lt"/>
-              <a:ea typeface="+mj-ea"/>
-              <a:cs typeface="+mj-cs"/>
-            </a:endParaRPr>
           </a:p>
         </p:txBody>
       </p:sp>
@@ -11582,39 +11606,30 @@
         <p:spPr>
           <a:xfrm>
             <a:off x="0" y="-397143"/>
-            <a:ext cx="4392118" cy="1645920"/>
+            <a:ext cx="5100638" cy="1645920"/>
           </a:xfrm>
         </p:spPr>
         <p:txBody>
           <a:bodyPr vert="horz" lIns="91440" tIns="45720" rIns="91440" bIns="45720" rtlCol="0" anchor="ctr">
-            <a:normAutofit/>
+            <a:normAutofit fontScale="90000"/>
           </a:bodyPr>
           <a:lstStyle/>
           <a:p>
-            <a:pPr algn="l"/>
+            <a:pPr algn="l">
+              <a:lnSpc>
+                <a:spcPct val="150000"/>
+              </a:lnSpc>
+              <a:tabLst>
+                <a:tab pos="2914650" algn="l"/>
+              </a:tabLst>
+            </a:pPr>
             <a:r>
-              <a:rPr lang="en-US" altLang="zh-CN" sz="2600" kern="1200" dirty="0">
-                <a:solidFill>
-                  <a:schemeClr val="tx1"/>
-                </a:solidFill>
-                <a:latin typeface="+mj-lt"/>
-                <a:ea typeface="+mj-ea"/>
-                <a:cs typeface="+mj-cs"/>
+              <a:rPr lang="en-US" altLang="zh-CN" sz="4400" dirty="0">
+                <a:latin typeface="Arial" panose="020B0604020202020204" pitchFamily="34" charset="0"/>
+                <a:cs typeface="Arial" panose="020B0604020202020204" pitchFamily="34" charset="0"/>
               </a:rPr>
-              <a:t>3. </a:t>
+              <a:t>3. Temporal Analysis</a:t>
             </a:r>
-            <a:r>
-              <a:rPr lang="en-US" altLang="zh-CN" sz="2600" dirty="0"/>
-              <a:t>Temporal Analysis</a:t>
-            </a:r>
-            <a:endParaRPr lang="en-US" altLang="zh-CN" sz="2600" kern="1200" dirty="0">
-              <a:solidFill>
-                <a:schemeClr val="tx1"/>
-              </a:solidFill>
-              <a:latin typeface="+mj-lt"/>
-              <a:ea typeface="+mj-ea"/>
-              <a:cs typeface="+mj-cs"/>
-            </a:endParaRPr>
           </a:p>
         </p:txBody>
       </p:sp>
@@ -11765,7 +11780,7 @@
         <p:spPr>
           <a:xfrm>
             <a:off x="0" y="-397143"/>
-            <a:ext cx="4392118" cy="1645920"/>
+            <a:ext cx="5657850" cy="1645920"/>
           </a:xfrm>
         </p:spPr>
         <p:txBody>
@@ -11774,30 +11789,21 @@
           </a:bodyPr>
           <a:lstStyle/>
           <a:p>
-            <a:pPr algn="l"/>
+            <a:pPr algn="l">
+              <a:lnSpc>
+                <a:spcPct val="150000"/>
+              </a:lnSpc>
+              <a:tabLst>
+                <a:tab pos="2914650" algn="l"/>
+              </a:tabLst>
+            </a:pPr>
             <a:r>
-              <a:rPr lang="en-US" altLang="zh-CN" sz="2600" kern="1200" dirty="0">
-                <a:solidFill>
-                  <a:schemeClr val="tx1"/>
-                </a:solidFill>
-                <a:latin typeface="+mj-lt"/>
-                <a:ea typeface="+mj-ea"/>
-                <a:cs typeface="+mj-cs"/>
+              <a:rPr lang="en-US" altLang="zh-CN" sz="4400" dirty="0">
+                <a:latin typeface="Arial" panose="020B0604020202020204" pitchFamily="34" charset="0"/>
+                <a:cs typeface="Arial" panose="020B0604020202020204" pitchFamily="34" charset="0"/>
               </a:rPr>
-              <a:t>3. </a:t>
+              <a:t>3. Temporal Analysis</a:t>
             </a:r>
-            <a:r>
-              <a:rPr lang="en-US" altLang="zh-CN" sz="2600" dirty="0"/>
-              <a:t>Temporal Analysis</a:t>
-            </a:r>
-            <a:endParaRPr lang="en-US" altLang="zh-CN" sz="2600" kern="1200" dirty="0">
-              <a:solidFill>
-                <a:schemeClr val="tx1"/>
-              </a:solidFill>
-              <a:latin typeface="+mj-lt"/>
-              <a:ea typeface="+mj-ea"/>
-              <a:cs typeface="+mj-cs"/>
-            </a:endParaRPr>
           </a:p>
         </p:txBody>
       </p:sp>
@@ -11837,6 +11843,53 @@
           </a:prstGeom>
         </p:spPr>
       </p:pic>
+      <p:sp>
+        <p:nvSpPr>
+          <p:cNvPr id="2" name="矩形 1">
+            <a:extLst>
+              <a:ext uri="{FF2B5EF4-FFF2-40B4-BE49-F238E27FC236}">
+                <a16:creationId xmlns:a16="http://schemas.microsoft.com/office/drawing/2014/main" id="{14B5DD80-EF50-4A99-8598-F544361AD570}"/>
+              </a:ext>
+            </a:extLst>
+          </p:cNvPr>
+          <p:cNvSpPr/>
+          <p:nvPr/>
+        </p:nvSpPr>
+        <p:spPr>
+          <a:xfrm>
+            <a:off x="3157538" y="4700588"/>
+            <a:ext cx="5857875" cy="307181"/>
+          </a:xfrm>
+          <a:prstGeom prst="rect">
+            <a:avLst/>
+          </a:prstGeom>
+          <a:noFill/>
+        </p:spPr>
+        <p:style>
+          <a:lnRef idx="2">
+            <a:schemeClr val="accent1">
+              <a:shade val="50000"/>
+            </a:schemeClr>
+          </a:lnRef>
+          <a:fillRef idx="1">
+            <a:schemeClr val="accent1"/>
+          </a:fillRef>
+          <a:effectRef idx="0">
+            <a:schemeClr val="accent1"/>
+          </a:effectRef>
+          <a:fontRef idx="minor">
+            <a:schemeClr val="lt1"/>
+          </a:fontRef>
+        </p:style>
+        <p:txBody>
+          <a:bodyPr rtlCol="0" anchor="ctr"/>
+          <a:lstStyle/>
+          <a:p>
+            <a:pPr algn="ctr"/>
+            <a:endParaRPr lang="zh-CN" altLang="en-US"/>
+          </a:p>
+        </p:txBody>
+      </p:sp>
     </p:spTree>
     <p:extLst>
       <p:ext uri="{BB962C8B-B14F-4D97-AF65-F5344CB8AC3E}">
